--- a/PowerpointTemplater.Tests/files/ReplaceTables_output4.pptx
+++ b/PowerpointTemplater.Tests/files/ReplaceTables_output4.pptx
@@ -6,9 +6,9 @@
   </p:sldMasterIdLst>
   <p:sldIdLst>
     <p:sldId id="256" r:id="rId2"/>
-    <p:sldId id="259" r:id="Ra498996f797b479d"/>
-    <p:sldId id="260" r:id="R536d82ef261243f6"/>
-    <p:sldId id="261" r:id="Ra386fe233f8f43b9"/>
+    <p:sldId id="259" r:id="R180b9e9458fd4691"/>
+    <p:sldId id="260" r:id="Rfea20fa57d514905"/>
+    <p:sldId id="261" r:id="Ra600fd2c71194d4f"/>
     <p:sldId id="258" r:id="rId4"/>
   </p:sldIdLst>
   <p:sldSz cx="9144000" cy="6858000" type="screen4x3"/>
@@ -3319,7 +3319,7 @@
           </p:nvPr>
         </p:nvPicPr>
         <p:blipFill>
-          <a:blip r:embed="R4224f06f867a431d">
+          <a:blip r:embed="Rb2f33a96201e484e">
             <a:extLst>
               <a:ext uri="{28A0092B-C50C-407E-A947-70E740481C1C}">
                 <a14:useLocalDpi xmlns:a14="http://schemas.microsoft.com/office/drawing/2010/main" val="0"/>

--- a/PowerpointTemplater.Tests/files/ReplaceTables_output4.pptx
+++ b/PowerpointTemplater.Tests/files/ReplaceTables_output4.pptx
@@ -6,9 +6,9 @@
   </p:sldMasterIdLst>
   <p:sldIdLst>
     <p:sldId id="256" r:id="rId2"/>
-    <p:sldId id="259" r:id="R180b9e9458fd4691"/>
-    <p:sldId id="260" r:id="Rfea20fa57d514905"/>
-    <p:sldId id="261" r:id="Ra600fd2c71194d4f"/>
+    <p:sldId id="259" r:id="R7b11cbcdb1e2463c"/>
+    <p:sldId id="260" r:id="R0d11065d87f8480a"/>
+    <p:sldId id="261" r:id="Rf46ed1b6c98e40be"/>
     <p:sldId id="258" r:id="rId4"/>
   </p:sldIdLst>
   <p:sldSz cx="9144000" cy="6858000" type="screen4x3"/>
@@ -3319,7 +3319,7 @@
           </p:nvPr>
         </p:nvPicPr>
         <p:blipFill>
-          <a:blip r:embed="Rb2f33a96201e484e">
+          <a:blip r:embed="Rc6c019c578a245b6">
             <a:extLst>
               <a:ext uri="{28A0092B-C50C-407E-A947-70E740481C1C}">
                 <a14:useLocalDpi xmlns:a14="http://schemas.microsoft.com/office/drawing/2010/main" val="0"/>

--- a/PowerpointTemplater.Tests/files/ReplaceTables_output4.pptx
+++ b/PowerpointTemplater.Tests/files/ReplaceTables_output4.pptx
@@ -6,9 +6,9 @@
   </p:sldMasterIdLst>
   <p:sldIdLst>
     <p:sldId id="256" r:id="rId2"/>
-    <p:sldId id="259" r:id="R7b11cbcdb1e2463c"/>
-    <p:sldId id="260" r:id="R0d11065d87f8480a"/>
-    <p:sldId id="261" r:id="Rf46ed1b6c98e40be"/>
+    <p:sldId id="259" r:id="Re6c5fa8460c34899"/>
+    <p:sldId id="260" r:id="R487137d885764155"/>
+    <p:sldId id="261" r:id="R988cbe8a5f3e48af"/>
     <p:sldId id="258" r:id="rId4"/>
   </p:sldIdLst>
   <p:sldSz cx="9144000" cy="6858000" type="screen4x3"/>
@@ -3319,7 +3319,7 @@
           </p:nvPr>
         </p:nvPicPr>
         <p:blipFill>
-          <a:blip r:embed="Rc6c019c578a245b6">
+          <a:blip r:embed="R1ed10285658045eb">
             <a:extLst>
               <a:ext uri="{28A0092B-C50C-407E-A947-70E740481C1C}">
                 <a14:useLocalDpi xmlns:a14="http://schemas.microsoft.com/office/drawing/2010/main" val="0"/>
@@ -3736,7 +3736,7 @@
                     <a:lstStyle/>
                     <a:p>
                       <a:r>
-                        <a:rPr lang="en-US" dirty="0" smtClean="0"/>
+                        <a:rPr lang="en-US" b="0" i="0" strike="noStrike" dirty="0" smtClean="0"/>
                         <a:t>3.0.1</a:t>
                       </a:r>
                       <a:endParaRPr lang="fr-FR" dirty="0"/>
@@ -3767,7 +3767,7 @@
                         <a:defRPr/>
                       </a:pPr>
                       <a:r>
-                        <a:rPr lang="en-US" dirty="0" smtClean="0"/>
+                        <a:rPr lang="en-US" b="0" i="0" strike="noStrike" dirty="0" smtClean="0"/>
                         <a:t>3.0.2</a:t>
                       </a:r>
                       <a:endParaRPr lang="fr-FR" dirty="0" smtClean="0"/>
@@ -3781,7 +3781,7 @@
                     <a:lstStyle/>
                     <a:p>
                       <a:r>
-                        <a:rPr lang="en-US" dirty="0" smtClean="0"/>
+                        <a:rPr lang="en-US" b="0" i="0" strike="noStrike" dirty="0" smtClean="0"/>
                         <a:t>3.0.3</a:t>
                       </a:r>
                       <a:endParaRPr lang="fr-FR" dirty="0"/>
@@ -3795,7 +3795,7 @@
                     <a:lstStyle/>
                     <a:p>
                       <a:r>
-                        <a:rPr lang="en-US" dirty="0" smtClean="0"/>
+                        <a:rPr lang="en-US" b="0" i="0" strike="noStrike" dirty="0" smtClean="0"/>
                         <a:t>3.0.4</a:t>
                       </a:r>
                       <a:endParaRPr lang="fr-FR" dirty="0"/>
@@ -3809,7 +3809,7 @@
                     <a:lstStyle/>
                     <a:p>
                       <a:r>
-                        <a:rPr lang="en-US" dirty="0" smtClean="0"/>
+                        <a:rPr lang="en-US" b="0" i="0" strike="noStrike" dirty="0" smtClean="0"/>
                         <a:t>3.0.5</a:t>
                       </a:r>
                       <a:endParaRPr lang="fr-FR" dirty="0"/>
@@ -3823,7 +3823,7 @@
                     <a:lstStyle/>
                     <a:p>
                       <a:r>
-                        <a:rPr lang="en-US" dirty="0" smtClean="0"/>
+                        <a:rPr lang="en-US" b="0" i="0" strike="noStrike" dirty="0" smtClean="0"/>
                         <a:t>3.0.6</a:t>
                       </a:r>
                       <a:endParaRPr lang="fr-FR" dirty="0"/>
@@ -3839,7 +3839,7 @@
                     <a:lstStyle/>
                     <a:p>
                       <a:r>
-                        <a:rPr lang="en-US" dirty="0" smtClean="0"/>
+                        <a:rPr lang="en-US" b="0" i="0" strike="noStrike" dirty="0" smtClean="0"/>
                         <a:t>3.1.1</a:t>
                       </a:r>
                       <a:endParaRPr lang="fr-FR" dirty="0"/>
@@ -3870,7 +3870,7 @@
                         <a:defRPr/>
                       </a:pPr>
                       <a:r>
-                        <a:rPr lang="en-US" dirty="0" smtClean="0"/>
+                        <a:rPr lang="en-US" b="0" i="0" strike="noStrike" dirty="0" smtClean="0"/>
                         <a:t>3.1.2</a:t>
                       </a:r>
                       <a:endParaRPr lang="fr-FR" dirty="0" smtClean="0"/>
@@ -3884,7 +3884,7 @@
                     <a:lstStyle/>
                     <a:p>
                       <a:r>
-                        <a:rPr lang="en-US" dirty="0" smtClean="0"/>
+                        <a:rPr lang="en-US" b="0" i="0" strike="noStrike" dirty="0" smtClean="0"/>
                         <a:t>3.1.3</a:t>
                       </a:r>
                       <a:endParaRPr lang="fr-FR" dirty="0"/>
@@ -3898,7 +3898,7 @@
                     <a:lstStyle/>
                     <a:p>
                       <a:r>
-                        <a:rPr lang="en-US" dirty="0" smtClean="0"/>
+                        <a:rPr lang="en-US" b="0" i="0" strike="noStrike" dirty="0" smtClean="0"/>
                         <a:t>3.1.4</a:t>
                       </a:r>
                       <a:endParaRPr lang="fr-FR" dirty="0"/>
@@ -3912,7 +3912,7 @@
                     <a:lstStyle/>
                     <a:p>
                       <a:r>
-                        <a:rPr lang="en-US" dirty="0" smtClean="0"/>
+                        <a:rPr lang="en-US" b="0" i="0" strike="noStrike" dirty="0" smtClean="0"/>
                         <a:t>3.1.5</a:t>
                       </a:r>
                       <a:endParaRPr lang="fr-FR" dirty="0"/>
@@ -3926,7 +3926,7 @@
                     <a:lstStyle/>
                     <a:p>
                       <a:r>
-                        <a:rPr lang="en-US" dirty="0" smtClean="0"/>
+                        <a:rPr lang="en-US" b="0" i="0" strike="noStrike" dirty="0" smtClean="0"/>
                         <a:t>3.1.6</a:t>
                       </a:r>
                       <a:endParaRPr lang="fr-FR" dirty="0"/>
@@ -3942,7 +3942,7 @@
                     <a:lstStyle/>
                     <a:p>
                       <a:r>
-                        <a:rPr lang="en-US" dirty="0" smtClean="0"/>
+                        <a:rPr lang="en-US" b="0" i="0" strike="noStrike" dirty="0" smtClean="0"/>
                         <a:t>3.2.1</a:t>
                       </a:r>
                       <a:endParaRPr lang="fr-FR" dirty="0"/>
@@ -3973,7 +3973,7 @@
                         <a:defRPr/>
                       </a:pPr>
                       <a:r>
-                        <a:rPr lang="en-US" dirty="0" smtClean="0"/>
+                        <a:rPr lang="en-US" b="0" i="0" strike="noStrike" dirty="0" smtClean="0"/>
                         <a:t>3.2.2</a:t>
                       </a:r>
                       <a:endParaRPr lang="fr-FR" dirty="0" smtClean="0"/>
@@ -3987,7 +3987,7 @@
                     <a:lstStyle/>
                     <a:p>
                       <a:r>
-                        <a:rPr lang="en-US" dirty="0" smtClean="0"/>
+                        <a:rPr lang="en-US" b="0" i="0" strike="noStrike" dirty="0" smtClean="0"/>
                         <a:t>3.2.3</a:t>
                       </a:r>
                       <a:endParaRPr lang="fr-FR" dirty="0"/>
@@ -4001,7 +4001,7 @@
                     <a:lstStyle/>
                     <a:p>
                       <a:r>
-                        <a:rPr lang="en-US" dirty="0" smtClean="0"/>
+                        <a:rPr lang="en-US" b="0" i="0" strike="noStrike" dirty="0" smtClean="0"/>
                         <a:t>3.2.4</a:t>
                       </a:r>
                       <a:endParaRPr lang="fr-FR" dirty="0"/>
@@ -4015,7 +4015,7 @@
                     <a:lstStyle/>
                     <a:p>
                       <a:r>
-                        <a:rPr lang="en-US" dirty="0" smtClean="0"/>
+                        <a:rPr lang="en-US" b="0" i="0" strike="noStrike" dirty="0" smtClean="0"/>
                         <a:t>3.2.5</a:t>
                       </a:r>
                       <a:endParaRPr lang="fr-FR" dirty="0"/>
@@ -4029,7 +4029,7 @@
                     <a:lstStyle/>
                     <a:p>
                       <a:r>
-                        <a:rPr lang="en-US" dirty="0" smtClean="0"/>
+                        <a:rPr lang="en-US" b="0" i="0" strike="noStrike" dirty="0" smtClean="0"/>
                         <a:t>3.2.6</a:t>
                       </a:r>
                       <a:endParaRPr lang="fr-FR" dirty="0"/>
@@ -4045,7 +4045,7 @@
                     <a:lstStyle/>
                     <a:p>
                       <a:r>
-                        <a:rPr lang="en-US" dirty="0" smtClean="0"/>
+                        <a:rPr lang="en-US" b="0" i="0" strike="noStrike" dirty="0" smtClean="0"/>
                         <a:t>3.3.1</a:t>
                       </a:r>
                       <a:endParaRPr lang="fr-FR" dirty="0"/>
@@ -4076,7 +4076,7 @@
                         <a:defRPr/>
                       </a:pPr>
                       <a:r>
-                        <a:rPr lang="en-US" dirty="0" smtClean="0"/>
+                        <a:rPr lang="en-US" b="0" i="0" strike="noStrike" dirty="0" smtClean="0"/>
                         <a:t>3.3.2</a:t>
                       </a:r>
                       <a:endParaRPr lang="fr-FR" dirty="0" smtClean="0"/>
@@ -4090,7 +4090,7 @@
                     <a:lstStyle/>
                     <a:p>
                       <a:r>
-                        <a:rPr lang="en-US" dirty="0" smtClean="0"/>
+                        <a:rPr lang="en-US" b="0" i="0" strike="noStrike" dirty="0" smtClean="0"/>
                         <a:t>3.3.3</a:t>
                       </a:r>
                       <a:endParaRPr lang="fr-FR" dirty="0"/>
@@ -4104,7 +4104,7 @@
                     <a:lstStyle/>
                     <a:p>
                       <a:r>
-                        <a:rPr lang="en-US" dirty="0" smtClean="0"/>
+                        <a:rPr lang="en-US" b="0" i="0" strike="noStrike" dirty="0" smtClean="0"/>
                         <a:t>3.3.4</a:t>
                       </a:r>
                       <a:endParaRPr lang="fr-FR" dirty="0"/>
@@ -4118,7 +4118,7 @@
                     <a:lstStyle/>
                     <a:p>
                       <a:r>
-                        <a:rPr lang="en-US" dirty="0" smtClean="0"/>
+                        <a:rPr lang="en-US" b="0" i="0" strike="noStrike" dirty="0" smtClean="0"/>
                         <a:t>3.3.5</a:t>
                       </a:r>
                       <a:endParaRPr lang="fr-FR" dirty="0"/>
@@ -4132,7 +4132,7 @@
                     <a:lstStyle/>
                     <a:p>
                       <a:r>
-                        <a:rPr lang="en-US" dirty="0" smtClean="0"/>
+                        <a:rPr lang="en-US" b="0" i="0" strike="noStrike" dirty="0" smtClean="0"/>
                         <a:t>3.3.6</a:t>
                       </a:r>
                       <a:endParaRPr lang="fr-FR" dirty="0"/>
@@ -4544,7 +4544,7 @@
                     <a:lstStyle/>
                     <a:p>
                       <a:r>
-                        <a:rPr lang="en-US" dirty="0" smtClean="0"/>
+                        <a:rPr lang="en-US" b="0" i="0" strike="noStrike" dirty="0" smtClean="0"/>
                         <a:t>3.4.1</a:t>
                       </a:r>
                       <a:endParaRPr lang="fr-FR" dirty="0"/>
@@ -4575,7 +4575,7 @@
                         <a:defRPr/>
                       </a:pPr>
                       <a:r>
-                        <a:rPr lang="en-US" dirty="0" smtClean="0"/>
+                        <a:rPr lang="en-US" b="0" i="0" strike="noStrike" dirty="0" smtClean="0"/>
                         <a:t>3.4.2</a:t>
                       </a:r>
                       <a:endParaRPr lang="fr-FR" dirty="0" smtClean="0"/>
@@ -4589,7 +4589,7 @@
                     <a:lstStyle/>
                     <a:p>
                       <a:r>
-                        <a:rPr lang="en-US" dirty="0" smtClean="0"/>
+                        <a:rPr lang="en-US" b="0" i="0" strike="noStrike" dirty="0" smtClean="0"/>
                         <a:t>3.4.3</a:t>
                       </a:r>
                       <a:endParaRPr lang="fr-FR" dirty="0"/>
@@ -4603,7 +4603,7 @@
                     <a:lstStyle/>
                     <a:p>
                       <a:r>
-                        <a:rPr lang="en-US" dirty="0" smtClean="0"/>
+                        <a:rPr lang="en-US" b="0" i="0" strike="noStrike" dirty="0" smtClean="0"/>
                         <a:t>3.4.4</a:t>
                       </a:r>
                       <a:endParaRPr lang="fr-FR" dirty="0"/>
@@ -4617,7 +4617,7 @@
                     <a:lstStyle/>
                     <a:p>
                       <a:r>
-                        <a:rPr lang="en-US" dirty="0" smtClean="0"/>
+                        <a:rPr lang="en-US" b="0" i="0" strike="noStrike" dirty="0" smtClean="0"/>
                         <a:t>3.4.5</a:t>
                       </a:r>
                       <a:endParaRPr lang="fr-FR" dirty="0"/>
@@ -4631,7 +4631,7 @@
                     <a:lstStyle/>
                     <a:p>
                       <a:r>
-                        <a:rPr lang="en-US" dirty="0" smtClean="0"/>
+                        <a:rPr lang="en-US" b="0" i="0" strike="noStrike" dirty="0" smtClean="0"/>
                         <a:t>3.4.6</a:t>
                       </a:r>
                       <a:endParaRPr lang="fr-FR" dirty="0"/>
@@ -4647,7 +4647,7 @@
                     <a:lstStyle/>
                     <a:p>
                       <a:r>
-                        <a:rPr lang="en-US" dirty="0" smtClean="0"/>
+                        <a:rPr lang="en-US" b="0" i="0" strike="noStrike" dirty="0" smtClean="0"/>
                         <a:t>3.5.1</a:t>
                       </a:r>
                       <a:endParaRPr lang="fr-FR" dirty="0"/>
@@ -4678,7 +4678,7 @@
                         <a:defRPr/>
                       </a:pPr>
                       <a:r>
-                        <a:rPr lang="en-US" dirty="0" smtClean="0"/>
+                        <a:rPr lang="en-US" b="0" i="0" strike="noStrike" dirty="0" smtClean="0"/>
                         <a:t>3.5.2</a:t>
                       </a:r>
                       <a:endParaRPr lang="fr-FR" dirty="0" smtClean="0"/>
@@ -4692,7 +4692,7 @@
                     <a:lstStyle/>
                     <a:p>
                       <a:r>
-                        <a:rPr lang="en-US" dirty="0" smtClean="0"/>
+                        <a:rPr lang="en-US" b="0" i="0" strike="noStrike" dirty="0" smtClean="0"/>
                         <a:t>3.5.3</a:t>
                       </a:r>
                       <a:endParaRPr lang="fr-FR" dirty="0"/>
@@ -4706,7 +4706,7 @@
                     <a:lstStyle/>
                     <a:p>
                       <a:r>
-                        <a:rPr lang="en-US" dirty="0" smtClean="0"/>
+                        <a:rPr lang="en-US" b="0" i="0" strike="noStrike" dirty="0" smtClean="0"/>
                         <a:t>3.5.4</a:t>
                       </a:r>
                       <a:endParaRPr lang="fr-FR" dirty="0"/>
@@ -4720,7 +4720,7 @@
                     <a:lstStyle/>
                     <a:p>
                       <a:r>
-                        <a:rPr lang="en-US" dirty="0" smtClean="0"/>
+                        <a:rPr lang="en-US" b="0" i="0" strike="noStrike" dirty="0" smtClean="0"/>
                         <a:t>3.5.5</a:t>
                       </a:r>
                       <a:endParaRPr lang="fr-FR" dirty="0"/>
@@ -4734,7 +4734,7 @@
                     <a:lstStyle/>
                     <a:p>
                       <a:r>
-                        <a:rPr lang="en-US" dirty="0" smtClean="0"/>
+                        <a:rPr lang="en-US" b="0" i="0" strike="noStrike" dirty="0" smtClean="0"/>
                         <a:t>3.5.6</a:t>
                       </a:r>
                       <a:endParaRPr lang="fr-FR" dirty="0"/>
@@ -4750,7 +4750,7 @@
                     <a:lstStyle/>
                     <a:p>
                       <a:r>
-                        <a:rPr lang="en-US" dirty="0" smtClean="0"/>
+                        <a:rPr lang="en-US" b="0" i="0" strike="noStrike" dirty="0" smtClean="0"/>
                         <a:t>3.6.1</a:t>
                       </a:r>
                       <a:endParaRPr lang="fr-FR" dirty="0"/>
@@ -4781,7 +4781,7 @@
                         <a:defRPr/>
                       </a:pPr>
                       <a:r>
-                        <a:rPr lang="en-US" dirty="0" smtClean="0"/>
+                        <a:rPr lang="en-US" b="0" i="0" strike="noStrike" dirty="0" smtClean="0"/>
                         <a:t>3.6.2</a:t>
                       </a:r>
                       <a:endParaRPr lang="fr-FR" dirty="0" smtClean="0"/>
@@ -4795,7 +4795,7 @@
                     <a:lstStyle/>
                     <a:p>
                       <a:r>
-                        <a:rPr lang="en-US" dirty="0" smtClean="0"/>
+                        <a:rPr lang="en-US" b="0" i="0" strike="noStrike" dirty="0" smtClean="0"/>
                         <a:t>3.6.3</a:t>
                       </a:r>
                       <a:endParaRPr lang="fr-FR" dirty="0"/>
@@ -4809,7 +4809,7 @@
                     <a:lstStyle/>
                     <a:p>
                       <a:r>
-                        <a:rPr lang="en-US" dirty="0" smtClean="0"/>
+                        <a:rPr lang="en-US" b="0" i="0" strike="noStrike" dirty="0" smtClean="0"/>
                         <a:t>3.6.4</a:t>
                       </a:r>
                       <a:endParaRPr lang="fr-FR" dirty="0"/>
@@ -4823,7 +4823,7 @@
                     <a:lstStyle/>
                     <a:p>
                       <a:r>
-                        <a:rPr lang="en-US" dirty="0" smtClean="0"/>
+                        <a:rPr lang="en-US" b="0" i="0" strike="noStrike" dirty="0" smtClean="0"/>
                         <a:t>3.6.5</a:t>
                       </a:r>
                       <a:endParaRPr lang="fr-FR" dirty="0"/>
@@ -4837,7 +4837,7 @@
                     <a:lstStyle/>
                     <a:p>
                       <a:r>
-                        <a:rPr lang="en-US" dirty="0" smtClean="0"/>
+                        <a:rPr lang="en-US" b="0" i="0" strike="noStrike" dirty="0" smtClean="0"/>
                         <a:t>3.6.6</a:t>
                       </a:r>
                       <a:endParaRPr lang="fr-FR" dirty="0"/>
@@ -4853,7 +4853,7 @@
                     <a:lstStyle/>
                     <a:p>
                       <a:r>
-                        <a:rPr lang="en-US" dirty="0" smtClean="0"/>
+                        <a:rPr lang="en-US" b="0" i="0" strike="noStrike" dirty="0" smtClean="0"/>
                         <a:t>3.7.1</a:t>
                       </a:r>
                       <a:endParaRPr lang="fr-FR" dirty="0"/>
@@ -4884,7 +4884,7 @@
                         <a:defRPr/>
                       </a:pPr>
                       <a:r>
-                        <a:rPr lang="en-US" dirty="0" smtClean="0"/>
+                        <a:rPr lang="en-US" b="0" i="0" strike="noStrike" dirty="0" smtClean="0"/>
                         <a:t>3.7.2</a:t>
                       </a:r>
                       <a:endParaRPr lang="fr-FR" dirty="0" smtClean="0"/>
@@ -4898,7 +4898,7 @@
                     <a:lstStyle/>
                     <a:p>
                       <a:r>
-                        <a:rPr lang="en-US" dirty="0" smtClean="0"/>
+                        <a:rPr lang="en-US" b="0" i="0" strike="noStrike" dirty="0" smtClean="0"/>
                         <a:t>3.7.3</a:t>
                       </a:r>
                       <a:endParaRPr lang="fr-FR" dirty="0"/>
@@ -4912,7 +4912,7 @@
                     <a:lstStyle/>
                     <a:p>
                       <a:r>
-                        <a:rPr lang="en-US" dirty="0" smtClean="0"/>
+                        <a:rPr lang="en-US" b="0" i="0" strike="noStrike" dirty="0" smtClean="0"/>
                         <a:t>3.7.4</a:t>
                       </a:r>
                       <a:endParaRPr lang="fr-FR" dirty="0"/>
@@ -4926,7 +4926,7 @@
                     <a:lstStyle/>
                     <a:p>
                       <a:r>
-                        <a:rPr lang="en-US" dirty="0" smtClean="0"/>
+                        <a:rPr lang="en-US" b="0" i="0" strike="noStrike" dirty="0" smtClean="0"/>
                         <a:t>3.7.5</a:t>
                       </a:r>
                       <a:endParaRPr lang="fr-FR" dirty="0"/>
@@ -4940,7 +4940,7 @@
                     <a:lstStyle/>
                     <a:p>
                       <a:r>
-                        <a:rPr lang="en-US" dirty="0" smtClean="0"/>
+                        <a:rPr lang="en-US" b="0" i="0" strike="noStrike" dirty="0" smtClean="0"/>
                         <a:t>3.7.6</a:t>
                       </a:r>
                       <a:endParaRPr lang="fr-FR" dirty="0"/>
@@ -5352,7 +5352,7 @@
                     <a:lstStyle/>
                     <a:p>
                       <a:r>
-                        <a:rPr lang="en-US" dirty="0" smtClean="0"/>
+                        <a:rPr lang="en-US" b="0" i="0" strike="noStrike" dirty="0" smtClean="0"/>
                         <a:t>3.8.1</a:t>
                       </a:r>
                       <a:endParaRPr lang="fr-FR" dirty="0"/>
@@ -5383,7 +5383,7 @@
                         <a:defRPr/>
                       </a:pPr>
                       <a:r>
-                        <a:rPr lang="en-US" dirty="0" smtClean="0"/>
+                        <a:rPr lang="en-US" b="0" i="0" strike="noStrike" dirty="0" smtClean="0"/>
                         <a:t>3.8.2</a:t>
                       </a:r>
                       <a:endParaRPr lang="fr-FR" dirty="0" smtClean="0"/>
@@ -5397,7 +5397,7 @@
                     <a:lstStyle/>
                     <a:p>
                       <a:r>
-                        <a:rPr lang="en-US" dirty="0" smtClean="0"/>
+                        <a:rPr lang="en-US" b="0" i="0" strike="noStrike" dirty="0" smtClean="0"/>
                         <a:t>3.8.3</a:t>
                       </a:r>
                       <a:endParaRPr lang="fr-FR" dirty="0"/>
@@ -5411,7 +5411,7 @@
                     <a:lstStyle/>
                     <a:p>
                       <a:r>
-                        <a:rPr lang="en-US" dirty="0" smtClean="0"/>
+                        <a:rPr lang="en-US" b="0" i="0" strike="noStrike" dirty="0" smtClean="0"/>
                         <a:t>3.8.4</a:t>
                       </a:r>
                       <a:endParaRPr lang="fr-FR" dirty="0"/>
@@ -5425,7 +5425,7 @@
                     <a:lstStyle/>
                     <a:p>
                       <a:r>
-                        <a:rPr lang="en-US" dirty="0" smtClean="0"/>
+                        <a:rPr lang="en-US" b="0" i="0" strike="noStrike" dirty="0" smtClean="0"/>
                         <a:t>3.8.5</a:t>
                       </a:r>
                       <a:endParaRPr lang="fr-FR" dirty="0"/>
@@ -5439,7 +5439,7 @@
                     <a:lstStyle/>
                     <a:p>
                       <a:r>
-                        <a:rPr lang="en-US" dirty="0" smtClean="0"/>
+                        <a:rPr lang="en-US" b="0" i="0" strike="noStrike" dirty="0" smtClean="0"/>
                         <a:t>3.8.6</a:t>
                       </a:r>
                       <a:endParaRPr lang="fr-FR" dirty="0"/>
@@ -5455,7 +5455,7 @@
                     <a:lstStyle/>
                     <a:p>
                       <a:r>
-                        <a:rPr lang="en-US" dirty="0" smtClean="0"/>
+                        <a:rPr lang="en-US" b="0" i="0" strike="noStrike" dirty="0" smtClean="0"/>
                         <a:t>3.9.1</a:t>
                       </a:r>
                       <a:endParaRPr lang="fr-FR" dirty="0"/>
@@ -5486,7 +5486,7 @@
                         <a:defRPr/>
                       </a:pPr>
                       <a:r>
-                        <a:rPr lang="en-US" dirty="0" smtClean="0"/>
+                        <a:rPr lang="en-US" b="0" i="0" strike="noStrike" dirty="0" smtClean="0"/>
                         <a:t>3.9.2</a:t>
                       </a:r>
                       <a:endParaRPr lang="fr-FR" dirty="0" smtClean="0"/>
@@ -5500,7 +5500,7 @@
                     <a:lstStyle/>
                     <a:p>
                       <a:r>
-                        <a:rPr lang="en-US" dirty="0" smtClean="0"/>
+                        <a:rPr lang="en-US" b="0" i="0" strike="noStrike" dirty="0" smtClean="0"/>
                         <a:t>3.9.3</a:t>
                       </a:r>
                       <a:endParaRPr lang="fr-FR" dirty="0"/>
@@ -5514,7 +5514,7 @@
                     <a:lstStyle/>
                     <a:p>
                       <a:r>
-                        <a:rPr lang="en-US" dirty="0" smtClean="0"/>
+                        <a:rPr lang="en-US" b="0" i="0" strike="noStrike" dirty="0" smtClean="0"/>
                         <a:t>3.9.4</a:t>
                       </a:r>
                       <a:endParaRPr lang="fr-FR" dirty="0"/>
@@ -5528,7 +5528,7 @@
                     <a:lstStyle/>
                     <a:p>
                       <a:r>
-                        <a:rPr lang="en-US" dirty="0" smtClean="0"/>
+                        <a:rPr lang="en-US" b="0" i="0" strike="noStrike" dirty="0" smtClean="0"/>
                         <a:t>3.9.5</a:t>
                       </a:r>
                       <a:endParaRPr lang="fr-FR" dirty="0"/>
@@ -5542,7 +5542,7 @@
                     <a:lstStyle/>
                     <a:p>
                       <a:r>
-                        <a:rPr lang="en-US" dirty="0" smtClean="0"/>
+                        <a:rPr lang="en-US" b="0" i="0" strike="noStrike" dirty="0" smtClean="0"/>
                         <a:t>3.9.6</a:t>
                       </a:r>
                       <a:endParaRPr lang="fr-FR" dirty="0"/>

--- a/PowerpointTemplater.Tests/files/ReplaceTables_output4.pptx
+++ b/PowerpointTemplater.Tests/files/ReplaceTables_output4.pptx
@@ -6,9 +6,9 @@
   </p:sldMasterIdLst>
   <p:sldIdLst>
     <p:sldId id="256" r:id="rId2"/>
-    <p:sldId id="259" r:id="Re6c5fa8460c34899"/>
-    <p:sldId id="260" r:id="R487137d885764155"/>
-    <p:sldId id="261" r:id="R988cbe8a5f3e48af"/>
+    <p:sldId id="259" r:id="R30b46e09274d4278"/>
+    <p:sldId id="260" r:id="Re24a804e83094a35"/>
+    <p:sldId id="261" r:id="R870cd6bea8124b3e"/>
     <p:sldId id="258" r:id="rId4"/>
   </p:sldIdLst>
   <p:sldSz cx="9144000" cy="6858000" type="screen4x3"/>
@@ -3319,7 +3319,7 @@
           </p:nvPr>
         </p:nvPicPr>
         <p:blipFill>
-          <a:blip r:embed="R1ed10285658045eb">
+          <a:blip r:embed="Re0450679c5c64a40">
             <a:extLst>
               <a:ext uri="{28A0092B-C50C-407E-A947-70E740481C1C}">
                 <a14:useLocalDpi xmlns:a14="http://schemas.microsoft.com/office/drawing/2010/main" val="0"/>
